--- a/20140121_info.pptx
+++ b/20140121_info.pptx
@@ -5,7 +5,7 @@
     <p:sldMasterId id="2147483649" r:id="rId1"/>
   </p:sldMasterIdLst>
   <p:notesMasterIdLst>
-    <p:notesMasterId r:id="rId7"/>
+    <p:notesMasterId r:id="rId8"/>
   </p:notesMasterIdLst>
   <p:sldIdLst>
     <p:sldId id="268" r:id="rId2"/>
@@ -13,6 +13,7 @@
     <p:sldId id="258" r:id="rId4"/>
     <p:sldId id="265" r:id="rId5"/>
     <p:sldId id="269" r:id="rId6"/>
+    <p:sldId id="270" r:id="rId7"/>
   </p:sldIdLst>
   <p:sldSz cx="9144000" cy="6858000" type="screen4x3"/>
   <p:notesSz cx="7099300" cy="10234613"/>
@@ -296,7 +297,7 @@
           </a:ln>
           <a:extLst>
             <a:ext uri="{909E8E84-426E-40DD-AFC4-6F175D3DCCD1}">
-              <a14:hiddenFill xmlns="" xmlns:a14="http://schemas.microsoft.com/office/drawing/2010/main">
+              <a14:hiddenFill xmlns:a14="http://schemas.microsoft.com/office/drawing/2010/main" xmlns="">
                 <a:solidFill>
                   <a:srgbClr val="FFFFFF"/>
                 </a:solidFill>
@@ -516,7 +517,7 @@
     </p:spTree>
     <p:extLst>
       <p:ext uri="{BB962C8B-B14F-4D97-AF65-F5344CB8AC3E}">
-        <p14:creationId xmlns="" xmlns:p14="http://schemas.microsoft.com/office/powerpoint/2010/main" val="4190363508"/>
+        <p14:creationId xmlns:p14="http://schemas.microsoft.com/office/powerpoint/2010/main" xmlns="" val="4190363508"/>
       </p:ext>
     </p:extLst>
   </p:cSld>
@@ -692,14 +693,14 @@
           <a:ln/>
           <a:extLst>
             <a:ext uri="{909E8E84-426E-40DD-AFC4-6F175D3DCCD1}">
-              <a14:hiddenFill xmlns="" xmlns:a14="http://schemas.microsoft.com/office/drawing/2010/main">
+              <a14:hiddenFill xmlns:a14="http://schemas.microsoft.com/office/drawing/2010/main" xmlns="">
                 <a:solidFill>
                   <a:srgbClr val="FFFFFF"/>
                 </a:solidFill>
               </a14:hiddenFill>
             </a:ext>
             <a:ext uri="{91240B29-F687-4F45-9708-019B960494DF}">
-              <a14:hiddenLine xmlns="" xmlns:a14="http://schemas.microsoft.com/office/drawing/2010/main" w="9525">
+              <a14:hiddenLine xmlns:a14="http://schemas.microsoft.com/office/drawing/2010/main" xmlns="" w="9525">
                 <a:solidFill>
                   <a:srgbClr val="000000"/>
                 </a:solidFill>
@@ -733,14 +734,14 @@
           <a:ln/>
           <a:extLst>
             <a:ext uri="{909E8E84-426E-40DD-AFC4-6F175D3DCCD1}">
-              <a14:hiddenFill xmlns="" xmlns:a14="http://schemas.microsoft.com/office/drawing/2010/main">
+              <a14:hiddenFill xmlns:a14="http://schemas.microsoft.com/office/drawing/2010/main" xmlns="">
                 <a:solidFill>
                   <a:srgbClr val="FFFFFF"/>
                 </a:solidFill>
               </a14:hiddenFill>
             </a:ext>
             <a:ext uri="{91240B29-F687-4F45-9708-019B960494DF}">
-              <a14:hiddenLine xmlns="" xmlns:a14="http://schemas.microsoft.com/office/drawing/2010/main" w="9525">
+              <a14:hiddenLine xmlns:a14="http://schemas.microsoft.com/office/drawing/2010/main" xmlns="" w="9525">
                 <a:solidFill>
                   <a:srgbClr val="000000"/>
                 </a:solidFill>
@@ -1112,7 +1113,7 @@
             <a:blip r:embed="rId2" cstate="print">
               <a:extLst>
                 <a:ext uri="{28A0092B-C50C-407E-A947-70E740481C1C}">
-                  <a14:useLocalDpi xmlns="" xmlns:a14="http://schemas.microsoft.com/office/drawing/2010/main" val="0"/>
+                  <a14:useLocalDpi xmlns:a14="http://schemas.microsoft.com/office/drawing/2010/main" xmlns="" val="0"/>
                 </a:ext>
               </a:extLst>
             </a:blip>
@@ -1135,14 +1136,14 @@
             </a:ln>
             <a:extLst>
               <a:ext uri="{909E8E84-426E-40DD-AFC4-6F175D3DCCD1}">
-                <a14:hiddenFill xmlns="" xmlns:a14="http://schemas.microsoft.com/office/drawing/2010/main">
+                <a14:hiddenFill xmlns:a14="http://schemas.microsoft.com/office/drawing/2010/main" xmlns="">
                   <a:solidFill>
                     <a:srgbClr val="FFFFFF"/>
                   </a:solidFill>
                 </a14:hiddenFill>
               </a:ext>
               <a:ext uri="{91240B29-F687-4F45-9708-019B960494DF}">
-                <a14:hiddenLine xmlns="" xmlns:a14="http://schemas.microsoft.com/office/drawing/2010/main" w="9525">
+                <a14:hiddenLine xmlns:a14="http://schemas.microsoft.com/office/drawing/2010/main" xmlns="" w="9525">
                   <a:solidFill>
                     <a:srgbClr val="000000"/>
                   </a:solidFill>
@@ -1327,7 +1328,7 @@
               <a:pPr>
                 <a:defRPr/>
               </a:pPr>
-              <a:t>2014/1/21</a:t>
+              <a:t>2014/1/22</a:t>
             </a:fld>
             <a:endParaRPr lang="en-US" altLang="ja-JP"/>
           </a:p>
@@ -1336,7 +1337,7 @@
     </p:spTree>
     <p:extLst>
       <p:ext uri="{BB962C8B-B14F-4D97-AF65-F5344CB8AC3E}">
-        <p14:creationId xmlns="" xmlns:p14="http://schemas.microsoft.com/office/powerpoint/2010/main" val="3685540796"/>
+        <p14:creationId xmlns:p14="http://schemas.microsoft.com/office/powerpoint/2010/main" xmlns="" val="3685540796"/>
       </p:ext>
     </p:extLst>
   </p:cSld>
@@ -1566,7 +1567,7 @@
               <a:pPr>
                 <a:defRPr/>
               </a:pPr>
-              <a:t>2014/1/21</a:t>
+              <a:t>2014/1/22</a:t>
             </a:fld>
             <a:endParaRPr lang="en-US" altLang="ja-JP"/>
           </a:p>
@@ -1575,7 +1576,7 @@
     </p:spTree>
     <p:extLst>
       <p:ext uri="{BB962C8B-B14F-4D97-AF65-F5344CB8AC3E}">
-        <p14:creationId xmlns="" xmlns:p14="http://schemas.microsoft.com/office/powerpoint/2010/main" val="1983571538"/>
+        <p14:creationId xmlns:p14="http://schemas.microsoft.com/office/powerpoint/2010/main" xmlns="" val="1983571538"/>
       </p:ext>
     </p:extLst>
   </p:cSld>
@@ -1815,7 +1816,7 @@
               <a:pPr>
                 <a:defRPr/>
               </a:pPr>
-              <a:t>2014/1/21</a:t>
+              <a:t>2014/1/22</a:t>
             </a:fld>
             <a:endParaRPr lang="en-US" altLang="ja-JP"/>
           </a:p>
@@ -1824,7 +1825,7 @@
     </p:spTree>
     <p:extLst>
       <p:ext uri="{BB962C8B-B14F-4D97-AF65-F5344CB8AC3E}">
-        <p14:creationId xmlns="" xmlns:p14="http://schemas.microsoft.com/office/powerpoint/2010/main" val="2951410154"/>
+        <p14:creationId xmlns:p14="http://schemas.microsoft.com/office/powerpoint/2010/main" xmlns="" val="2951410154"/>
       </p:ext>
     </p:extLst>
   </p:cSld>
@@ -2054,7 +2055,7 @@
               <a:pPr>
                 <a:defRPr/>
               </a:pPr>
-              <a:t>2014/1/21</a:t>
+              <a:t>2014/1/22</a:t>
             </a:fld>
             <a:endParaRPr lang="en-US" altLang="ja-JP"/>
           </a:p>
@@ -2063,7 +2064,7 @@
     </p:spTree>
     <p:extLst>
       <p:ext uri="{BB962C8B-B14F-4D97-AF65-F5344CB8AC3E}">
-        <p14:creationId xmlns="" xmlns:p14="http://schemas.microsoft.com/office/powerpoint/2010/main" val="4158606300"/>
+        <p14:creationId xmlns:p14="http://schemas.microsoft.com/office/powerpoint/2010/main" xmlns="" val="4158606300"/>
       </p:ext>
     </p:extLst>
   </p:cSld>
@@ -2283,7 +2284,7 @@
               <a:pPr>
                 <a:defRPr/>
               </a:pPr>
-              <a:t>2014/1/21</a:t>
+              <a:t>2014/1/22</a:t>
             </a:fld>
             <a:endParaRPr lang="en-US" altLang="ja-JP"/>
           </a:p>
@@ -2292,7 +2293,7 @@
     </p:spTree>
     <p:extLst>
       <p:ext uri="{BB962C8B-B14F-4D97-AF65-F5344CB8AC3E}">
-        <p14:creationId xmlns="" xmlns:p14="http://schemas.microsoft.com/office/powerpoint/2010/main" val="1416832185"/>
+        <p14:creationId xmlns:p14="http://schemas.microsoft.com/office/powerpoint/2010/main" xmlns="" val="1416832185"/>
       </p:ext>
     </p:extLst>
   </p:cSld>
@@ -2672,7 +2673,7 @@
               <a:pPr>
                 <a:defRPr/>
               </a:pPr>
-              <a:t>2014/1/21</a:t>
+              <a:t>2014/1/22</a:t>
             </a:fld>
             <a:endParaRPr lang="en-US" altLang="ja-JP"/>
           </a:p>
@@ -2681,7 +2682,7 @@
     </p:spTree>
     <p:extLst>
       <p:ext uri="{BB962C8B-B14F-4D97-AF65-F5344CB8AC3E}">
-        <p14:creationId xmlns="" xmlns:p14="http://schemas.microsoft.com/office/powerpoint/2010/main" val="4086944338"/>
+        <p14:creationId xmlns:p14="http://schemas.microsoft.com/office/powerpoint/2010/main" xmlns="" val="4086944338"/>
       </p:ext>
     </p:extLst>
   </p:cSld>
@@ -3200,7 +3201,7 @@
               <a:pPr>
                 <a:defRPr/>
               </a:pPr>
-              <a:t>2014/1/21</a:t>
+              <a:t>2014/1/22</a:t>
             </a:fld>
             <a:endParaRPr lang="en-US" altLang="ja-JP"/>
           </a:p>
@@ -3209,7 +3210,7 @@
     </p:spTree>
     <p:extLst>
       <p:ext uri="{BB962C8B-B14F-4D97-AF65-F5344CB8AC3E}">
-        <p14:creationId xmlns="" xmlns:p14="http://schemas.microsoft.com/office/powerpoint/2010/main" val="2356729426"/>
+        <p14:creationId xmlns:p14="http://schemas.microsoft.com/office/powerpoint/2010/main" xmlns="" val="2356729426"/>
       </p:ext>
     </p:extLst>
   </p:cSld>
@@ -3355,7 +3356,7 @@
               <a:pPr>
                 <a:defRPr/>
               </a:pPr>
-              <a:t>2014/1/21</a:t>
+              <a:t>2014/1/22</a:t>
             </a:fld>
             <a:endParaRPr lang="en-US" altLang="ja-JP"/>
           </a:p>
@@ -3364,7 +3365,7 @@
     </p:spTree>
     <p:extLst>
       <p:ext uri="{BB962C8B-B14F-4D97-AF65-F5344CB8AC3E}">
-        <p14:creationId xmlns="" xmlns:p14="http://schemas.microsoft.com/office/powerpoint/2010/main" val="1189016788"/>
+        <p14:creationId xmlns:p14="http://schemas.microsoft.com/office/powerpoint/2010/main" xmlns="" val="1189016788"/>
       </p:ext>
     </p:extLst>
   </p:cSld>
@@ -3487,7 +3488,7 @@
               <a:pPr>
                 <a:defRPr/>
               </a:pPr>
-              <a:t>2014/1/21</a:t>
+              <a:t>2014/1/22</a:t>
             </a:fld>
             <a:endParaRPr lang="en-US" altLang="ja-JP"/>
           </a:p>
@@ -3496,7 +3497,7 @@
     </p:spTree>
     <p:extLst>
       <p:ext uri="{BB962C8B-B14F-4D97-AF65-F5344CB8AC3E}">
-        <p14:creationId xmlns="" xmlns:p14="http://schemas.microsoft.com/office/powerpoint/2010/main" val="1423615468"/>
+        <p14:creationId xmlns:p14="http://schemas.microsoft.com/office/powerpoint/2010/main" xmlns="" val="1423615468"/>
       </p:ext>
     </p:extLst>
   </p:cSld>
@@ -3833,7 +3834,7 @@
               <a:pPr>
                 <a:defRPr/>
               </a:pPr>
-              <a:t>2014/1/21</a:t>
+              <a:t>2014/1/22</a:t>
             </a:fld>
             <a:endParaRPr lang="en-US" altLang="ja-JP"/>
           </a:p>
@@ -3842,7 +3843,7 @@
     </p:spTree>
     <p:extLst>
       <p:ext uri="{BB962C8B-B14F-4D97-AF65-F5344CB8AC3E}">
-        <p14:creationId xmlns="" xmlns:p14="http://schemas.microsoft.com/office/powerpoint/2010/main" val="2262912792"/>
+        <p14:creationId xmlns:p14="http://schemas.microsoft.com/office/powerpoint/2010/main" xmlns="" val="2262912792"/>
       </p:ext>
     </p:extLst>
   </p:cSld>
@@ -4124,7 +4125,7 @@
               <a:pPr>
                 <a:defRPr/>
               </a:pPr>
-              <a:t>2014/1/21</a:t>
+              <a:t>2014/1/22</a:t>
             </a:fld>
             <a:endParaRPr lang="en-US" altLang="ja-JP"/>
           </a:p>
@@ -4133,7 +4134,7 @@
     </p:spTree>
     <p:extLst>
       <p:ext uri="{BB962C8B-B14F-4D97-AF65-F5344CB8AC3E}">
-        <p14:creationId xmlns="" xmlns:p14="http://schemas.microsoft.com/office/powerpoint/2010/main" val="3998479116"/>
+        <p14:creationId xmlns:p14="http://schemas.microsoft.com/office/powerpoint/2010/main" xmlns="" val="3998479116"/>
       </p:ext>
     </p:extLst>
   </p:cSld>
@@ -4192,14 +4193,14 @@
           </a:ln>
           <a:extLst>
             <a:ext uri="{909E8E84-426E-40DD-AFC4-6F175D3DCCD1}">
-              <a14:hiddenFill xmlns="" xmlns:a14="http://schemas.microsoft.com/office/drawing/2010/main">
+              <a14:hiddenFill xmlns:a14="http://schemas.microsoft.com/office/drawing/2010/main" xmlns="">
                 <a:solidFill>
                   <a:srgbClr val="FFFFFF"/>
                 </a:solidFill>
               </a14:hiddenFill>
             </a:ext>
             <a:ext uri="{91240B29-F687-4F45-9708-019B960494DF}">
-              <a14:hiddenLine xmlns="" xmlns:a14="http://schemas.microsoft.com/office/drawing/2010/main" w="9525">
+              <a14:hiddenLine xmlns:a14="http://schemas.microsoft.com/office/drawing/2010/main" xmlns="" w="9525">
                 <a:solidFill>
                   <a:srgbClr val="000000"/>
                 </a:solidFill>
@@ -4250,14 +4251,14 @@
           </a:ln>
           <a:extLst>
             <a:ext uri="{909E8E84-426E-40DD-AFC4-6F175D3DCCD1}">
-              <a14:hiddenFill xmlns="" xmlns:a14="http://schemas.microsoft.com/office/drawing/2010/main">
+              <a14:hiddenFill xmlns:a14="http://schemas.microsoft.com/office/drawing/2010/main" xmlns="">
                 <a:solidFill>
                   <a:srgbClr val="FFFFFF"/>
                 </a:solidFill>
               </a14:hiddenFill>
             </a:ext>
             <a:ext uri="{91240B29-F687-4F45-9708-019B960494DF}">
-              <a14:hiddenLine xmlns="" xmlns:a14="http://schemas.microsoft.com/office/drawing/2010/main" w="9525">
+              <a14:hiddenLine xmlns:a14="http://schemas.microsoft.com/office/drawing/2010/main" xmlns="" w="9525">
                 <a:solidFill>
                   <a:srgbClr val="000000"/>
                 </a:solidFill>
@@ -4776,7 +4777,7 @@
           <a:blip r:embed="rId13" cstate="print">
             <a:extLst>
               <a:ext uri="{28A0092B-C50C-407E-A947-70E740481C1C}">
-                <a14:useLocalDpi xmlns="" xmlns:a14="http://schemas.microsoft.com/office/drawing/2010/main" val="0"/>
+                <a14:useLocalDpi xmlns:a14="http://schemas.microsoft.com/office/drawing/2010/main" xmlns="" val="0"/>
               </a:ext>
             </a:extLst>
           </a:blip>
@@ -4799,14 +4800,14 @@
           </a:ln>
           <a:extLst>
             <a:ext uri="{909E8E84-426E-40DD-AFC4-6F175D3DCCD1}">
-              <a14:hiddenFill xmlns="" xmlns:a14="http://schemas.microsoft.com/office/drawing/2010/main">
+              <a14:hiddenFill xmlns:a14="http://schemas.microsoft.com/office/drawing/2010/main" xmlns="">
                 <a:solidFill>
                   <a:srgbClr val="FFFFFF"/>
                 </a:solidFill>
               </a14:hiddenFill>
             </a:ext>
             <a:ext uri="{91240B29-F687-4F45-9708-019B960494DF}">
-              <a14:hiddenLine xmlns="" xmlns:a14="http://schemas.microsoft.com/office/drawing/2010/main" w="9525">
+              <a14:hiddenLine xmlns:a14="http://schemas.microsoft.com/office/drawing/2010/main" xmlns="" w="9525">
                 <a:solidFill>
                   <a:srgbClr val="000000"/>
                 </a:solidFill>
@@ -4979,7 +4980,7 @@
               <a:pPr>
                 <a:defRPr/>
               </a:pPr>
-              <a:t>2014/1/21</a:t>
+              <a:t>2014/1/22</a:t>
             </a:fld>
             <a:endParaRPr lang="en-US" altLang="ja-JP"/>
           </a:p>
@@ -18736,7 +18737,7 @@
     </p:spTree>
     <p:extLst>
       <p:ext uri="{BB962C8B-B14F-4D97-AF65-F5344CB8AC3E}">
-        <p14:creationId xmlns="" xmlns:p14="http://schemas.microsoft.com/office/powerpoint/2010/main" val="3588055976"/>
+        <p14:creationId xmlns:p14="http://schemas.microsoft.com/office/powerpoint/2010/main" xmlns="" val="3588055976"/>
       </p:ext>
     </p:extLst>
   </p:cSld>
@@ -19064,14 +19065,14 @@
           <a:ln/>
           <a:extLst>
             <a:ext uri="{909E8E84-426E-40DD-AFC4-6F175D3DCCD1}">
-              <a14:hiddenFill xmlns="" xmlns:a14="http://schemas.microsoft.com/office/drawing/2010/main">
+              <a14:hiddenFill xmlns:a14="http://schemas.microsoft.com/office/drawing/2010/main" xmlns="">
                 <a:solidFill>
                   <a:srgbClr val="FFFFFF"/>
                 </a:solidFill>
               </a14:hiddenFill>
             </a:ext>
             <a:ext uri="{91240B29-F687-4F45-9708-019B960494DF}">
-              <a14:hiddenLine xmlns="" xmlns:a14="http://schemas.microsoft.com/office/drawing/2010/main" w="9525">
+              <a14:hiddenLine xmlns:a14="http://schemas.microsoft.com/office/drawing/2010/main" xmlns="" w="9525">
                 <a:solidFill>
                   <a:srgbClr val="000000"/>
                 </a:solidFill>
@@ -19220,14 +19221,14 @@
           <a:ln/>
           <a:extLst>
             <a:ext uri="{909E8E84-426E-40DD-AFC4-6F175D3DCCD1}">
-              <a14:hiddenFill xmlns="" xmlns:a14="http://schemas.microsoft.com/office/drawing/2010/main">
+              <a14:hiddenFill xmlns:a14="http://schemas.microsoft.com/office/drawing/2010/main" xmlns="">
                 <a:solidFill>
                   <a:srgbClr val="FFFFFF"/>
                 </a:solidFill>
               </a14:hiddenFill>
             </a:ext>
             <a:ext uri="{91240B29-F687-4F45-9708-019B960494DF}">
-              <a14:hiddenLine xmlns="" xmlns:a14="http://schemas.microsoft.com/office/drawing/2010/main" w="9525">
+              <a14:hiddenLine xmlns:a14="http://schemas.microsoft.com/office/drawing/2010/main" xmlns="" w="9525">
                 <a:solidFill>
                   <a:srgbClr val="000000"/>
                 </a:solidFill>
@@ -19477,7 +19478,7 @@
     </p:spTree>
     <p:extLst>
       <p:ext uri="{BB962C8B-B14F-4D97-AF65-F5344CB8AC3E}">
-        <p14:creationId xmlns="" xmlns:p14="http://schemas.microsoft.com/office/powerpoint/2010/main" val="1567705135"/>
+        <p14:creationId xmlns:p14="http://schemas.microsoft.com/office/powerpoint/2010/main" xmlns="" val="1567705135"/>
       </p:ext>
     </p:extLst>
   </p:cSld>
@@ -19907,7 +19908,7 @@
           <p:nvPr>
             <p:extLst>
               <p:ext uri="{D42A27DB-BD31-4B8C-83A1-F6EECF244321}">
-                <p14:modId xmlns="" xmlns:p14="http://schemas.microsoft.com/office/powerpoint/2010/main" val="2513421639"/>
+                <p14:modId xmlns:p14="http://schemas.microsoft.com/office/powerpoint/2010/main" xmlns="" val="2513421639"/>
               </p:ext>
             </p:extLst>
           </p:nvPr>
@@ -21330,7 +21331,7 @@
     </p:spTree>
     <p:extLst>
       <p:ext uri="{BB962C8B-B14F-4D97-AF65-F5344CB8AC3E}">
-        <p14:creationId xmlns="" xmlns:p14="http://schemas.microsoft.com/office/powerpoint/2010/main" val="352119636"/>
+        <p14:creationId xmlns:p14="http://schemas.microsoft.com/office/powerpoint/2010/main" xmlns="" val="352119636"/>
       </p:ext>
     </p:extLst>
   </p:cSld>
@@ -21657,7 +21658,7 @@
     </p:spTree>
     <p:extLst>
       <p:ext uri="{BB962C8B-B14F-4D97-AF65-F5344CB8AC3E}">
-        <p14:creationId xmlns="" xmlns:p14="http://schemas.microsoft.com/office/powerpoint/2010/main" val="2050713465"/>
+        <p14:creationId xmlns:p14="http://schemas.microsoft.com/office/powerpoint/2010/main" xmlns="" val="2050713465"/>
       </p:ext>
     </p:extLst>
   </p:cSld>
@@ -21671,6 +21672,147 @@
       </p:par>
     </p:tnLst>
   </p:timing>
+</p:sld>
+</file>
+
+<file path=ppt/slides/slide6.xml><?xml version="1.0" encoding="utf-8"?>
+<p:sld xmlns:a="http://schemas.openxmlformats.org/drawingml/2006/main" xmlns:r="http://schemas.openxmlformats.org/officeDocument/2006/relationships" xmlns:p="http://schemas.openxmlformats.org/presentationml/2006/main">
+  <p:cSld>
+    <p:spTree>
+      <p:nvGrpSpPr>
+        <p:cNvPr id="1" name=""/>
+        <p:cNvGrpSpPr/>
+        <p:nvPr/>
+      </p:nvGrpSpPr>
+      <p:grpSpPr>
+        <a:xfrm>
+          <a:off x="0" y="0"/>
+          <a:ext cx="0" cy="0"/>
+          <a:chOff x="0" y="0"/>
+          <a:chExt cx="0" cy="0"/>
+        </a:xfrm>
+      </p:grpSpPr>
+      <p:sp>
+        <p:nvSpPr>
+          <p:cNvPr id="2" name="タイトル 1"/>
+          <p:cNvSpPr>
+            <a:spLocks noGrp="1"/>
+          </p:cNvSpPr>
+          <p:nvPr>
+            <p:ph type="title"/>
+          </p:nvPr>
+        </p:nvSpPr>
+        <p:spPr/>
+        <p:txBody>
+          <a:bodyPr/>
+          <a:lstStyle/>
+          <a:p>
+            <a:r>
+              <a:rPr kumimoji="1" lang="ja-JP" altLang="en-US" dirty="0" smtClean="0"/>
+              <a:t>改変しました</a:t>
+            </a:r>
+            <a:endParaRPr kumimoji="1" lang="ja-JP" altLang="en-US" dirty="0"/>
+          </a:p>
+        </p:txBody>
+      </p:sp>
+      <p:sp>
+        <p:nvSpPr>
+          <p:cNvPr id="3" name="コンテンツ プレースホルダ 2"/>
+          <p:cNvSpPr>
+            <a:spLocks noGrp="1"/>
+          </p:cNvSpPr>
+          <p:nvPr>
+            <p:ph idx="1"/>
+          </p:nvPr>
+        </p:nvSpPr>
+        <p:spPr/>
+        <p:txBody>
+          <a:bodyPr/>
+          <a:lstStyle/>
+          <a:p>
+            <a:r>
+              <a:rPr kumimoji="1" lang="ja-JP" altLang="en-US" dirty="0" smtClean="0"/>
+              <a:t>どこに反映されるのか</a:t>
+            </a:r>
+            <a:endParaRPr kumimoji="1" lang="en-US" altLang="ja-JP" dirty="0" smtClean="0"/>
+          </a:p>
+          <a:p>
+            <a:r>
+              <a:rPr lang="ja-JP" altLang="en-US" smtClean="0"/>
+              <a:t>見どころ</a:t>
+            </a:r>
+            <a:r>
+              <a:rPr lang="ja-JP" altLang="en-US" smtClean="0"/>
+              <a:t>は</a:t>
+            </a:r>
+            <a:r>
+              <a:rPr lang="ja-JP" altLang="en-US" smtClean="0"/>
+              <a:t>？</a:t>
+            </a:r>
+            <a:endParaRPr kumimoji="1" lang="ja-JP" altLang="en-US"/>
+          </a:p>
+        </p:txBody>
+      </p:sp>
+      <p:sp>
+        <p:nvSpPr>
+          <p:cNvPr id="4" name="フッター プレースホルダ 3"/>
+          <p:cNvSpPr>
+            <a:spLocks noGrp="1"/>
+          </p:cNvSpPr>
+          <p:nvPr>
+            <p:ph type="ftr" sz="quarter" idx="10"/>
+          </p:nvPr>
+        </p:nvSpPr>
+        <p:spPr/>
+        <p:txBody>
+          <a:bodyPr/>
+          <a:lstStyle/>
+          <a:p>
+            <a:pPr>
+              <a:defRPr/>
+            </a:pPr>
+            <a:r>
+              <a:rPr lang="en-US" altLang="ja-JP" smtClean="0"/>
+              <a:t>© 2011 - 2014 SAGARA Jun-Ichi, All Rights Reserved</a:t>
+            </a:r>
+            <a:endParaRPr lang="en-US" altLang="ja-JP"/>
+          </a:p>
+        </p:txBody>
+      </p:sp>
+      <p:sp>
+        <p:nvSpPr>
+          <p:cNvPr id="5" name="スライド番号プレースホルダ 4"/>
+          <p:cNvSpPr>
+            <a:spLocks noGrp="1"/>
+          </p:cNvSpPr>
+          <p:nvPr>
+            <p:ph type="sldNum" sz="quarter" idx="11"/>
+          </p:nvPr>
+        </p:nvSpPr>
+        <p:spPr/>
+        <p:txBody>
+          <a:bodyPr/>
+          <a:lstStyle/>
+          <a:p>
+            <a:pPr>
+              <a:defRPr/>
+            </a:pPr>
+            <a:fld id="{8D6F4C45-FE48-43D6-AE80-470EE1C59D21}" type="slidenum">
+              <a:rPr lang="en-US" altLang="ja-JP" smtClean="0"/>
+              <a:pPr>
+                <a:defRPr/>
+              </a:pPr>
+              <a:t>6</a:t>
+            </a:fld>
+            <a:endParaRPr lang="en-US" altLang="ja-JP"/>
+          </a:p>
+        </p:txBody>
+      </p:sp>
+    </p:spTree>
+  </p:cSld>
+  <p:clrMapOvr>
+    <a:masterClrMapping/>
+  </p:clrMapOvr>
 </p:sld>
 </file>
 
